--- a/Presentation/Powerpoint Presentation of the Project Underwater Image Enhancement.pptx
+++ b/Presentation/Powerpoint Presentation of the Project Underwater Image Enhancement.pptx
@@ -39101,7 +39101,7 @@
               <a:rPr lang="en"/>
               <a:t>UNDERWATER IMAGE ENHANCEMENT USING IMAGE PROCESSING</a:t>
             </a:r>
-            <a:endParaRPr/>
+            <a:endParaRPr dirty="0"/>
           </a:p>
         </p:txBody>
       </p:sp>
